--- a/Presentation Final.pptx
+++ b/Presentation Final.pptx
@@ -9672,7 +9672,7 @@
           <p:nvPr>
             <p:extLst>
               <p:ext uri="{D42A27DB-BD31-4B8C-83A1-F6EECF244321}">
-                <p14:modId xmlns:p14="http://schemas.microsoft.com/office/powerpoint/2010/main" val="442258750"/>
+                <p14:modId xmlns:p14="http://schemas.microsoft.com/office/powerpoint/2010/main" val="2655745368"/>
               </p:ext>
             </p:extLst>
           </p:nvPr>
@@ -9923,7 +9923,7 @@
                         <a:rPr lang="en-GB" sz="1200" u="none" strike="noStrike" dirty="0">
                           <a:effectLst/>
                         </a:rPr>
-                        <a:t>Return (annualized)</a:t>
+                        <a:t>Return </a:t>
                       </a:r>
                       <a:endParaRPr lang="en-GB" sz="1200" b="1" i="0" u="none" strike="noStrike" dirty="0">
                         <a:solidFill>
@@ -10098,7 +10098,7 @@
                         <a:rPr lang="en-GB" sz="1200" u="none" strike="noStrike" dirty="0">
                           <a:effectLst/>
                         </a:rPr>
-                        <a:t>Sharpe (daily)</a:t>
+                        <a:t>Sharpe </a:t>
                       </a:r>
                       <a:endParaRPr lang="en-GB" sz="1200" b="1" i="0" u="none" strike="noStrike" dirty="0">
                         <a:solidFill>
